--- a/Dokumente/Anforderungsanalyse/Anforderungsanaylse_Praesentation.pptx
+++ b/Dokumente/Anforderungsanalyse/Anforderungsanaylse_Praesentation.pptx
@@ -221,7 +221,7 @@
           <a:p>
             <a:fld id="{05E02316-A3A9-40CE-8399-988D8D269502}" type="datetimeFigureOut">
               <a:rPr lang="de-AT" smtClean="0"/>
-              <a:t>16.10.2018</a:t>
+              <a:t>17.10.2018</a:t>
             </a:fld>
             <a:endParaRPr lang="de-AT"/>
           </a:p>
@@ -287,7 +287,7 @@
           <a:p>
             <a:fld id="{5C731D18-B53C-4622-9947-A3FBDDB0C9B1}" type="slidenum">
               <a:rPr lang="de-AT" smtClean="0"/>
-              <a:t>‹Nr.›</a:t>
+              <a:t>‹#›</a:t>
             </a:fld>
             <a:endParaRPr lang="de-AT"/>
           </a:p>
@@ -386,7 +386,7 @@
           <a:p>
             <a:fld id="{F5E89DEF-C035-41A2-9AFE-A6026D4C04BE}" type="datetimeFigureOut">
               <a:rPr lang="de-AT" smtClean="0"/>
-              <a:t>16.10.2018</a:t>
+              <a:t>17.10.2018</a:t>
             </a:fld>
             <a:endParaRPr lang="de-AT"/>
           </a:p>
@@ -545,7 +545,7 @@
           <a:p>
             <a:fld id="{BEF2A079-E7F8-4A78-8EEA-DD00A8D5DE37}" type="slidenum">
               <a:rPr lang="de-AT" smtClean="0"/>
-              <a:t>‹Nr.›</a:t>
+              <a:t>‹#›</a:t>
             </a:fld>
             <a:endParaRPr lang="de-AT"/>
           </a:p>
@@ -999,7 +999,7 @@
             <a:fld id="{68F3185B-C653-42AE-8B74-FF214C291574}" type="slidenum">
               <a:rPr lang="en-US" smtClean="0"/>
               <a:pPr/>
-              <a:t>‹Nr.›</a:t>
+              <a:t>‹#›</a:t>
             </a:fld>
             <a:endParaRPr lang="en-US"/>
           </a:p>
@@ -1316,7 +1316,7 @@
             <a:fld id="{68F3185B-C653-42AE-8B74-FF214C291574}" type="slidenum">
               <a:rPr lang="en-US" smtClean="0"/>
               <a:pPr/>
-              <a:t>‹Nr.›</a:t>
+              <a:t>‹#›</a:t>
             </a:fld>
             <a:endParaRPr lang="en-US"/>
           </a:p>
@@ -1685,7 +1685,7 @@
             <a:fld id="{68F3185B-C653-42AE-8B74-FF214C291574}" type="slidenum">
               <a:rPr lang="en-US" smtClean="0"/>
               <a:pPr/>
-              <a:t>‹Nr.›</a:t>
+              <a:t>‹#›</a:t>
             </a:fld>
             <a:endParaRPr lang="en-US"/>
           </a:p>
@@ -2036,7 +2036,7 @@
             <a:fld id="{68F3185B-C653-42AE-8B74-FF214C291574}" type="slidenum">
               <a:rPr lang="en-US" smtClean="0"/>
               <a:pPr/>
-              <a:t>‹Nr.›</a:t>
+              <a:t>‹#›</a:t>
             </a:fld>
             <a:endParaRPr lang="en-US"/>
           </a:p>
@@ -2512,7 +2512,7 @@
             <a:fld id="{68F3185B-C653-42AE-8B74-FF214C291574}" type="slidenum">
               <a:rPr lang="en-US" smtClean="0"/>
               <a:pPr/>
-              <a:t>‹Nr.›</a:t>
+              <a:t>‹#›</a:t>
             </a:fld>
             <a:endParaRPr lang="en-US"/>
           </a:p>
@@ -2789,7 +2789,7 @@
             <a:fld id="{68F3185B-C653-42AE-8B74-FF214C291574}" type="slidenum">
               <a:rPr lang="en-US" smtClean="0"/>
               <a:pPr/>
-              <a:t>‹Nr.›</a:t>
+              <a:t>‹#›</a:t>
             </a:fld>
             <a:endParaRPr lang="en-US"/>
           </a:p>
@@ -4613,7 +4613,7 @@
             <a:fld id="{68F3185B-C653-42AE-8B74-FF214C291574}" type="slidenum">
               <a:rPr lang="en-US" smtClean="0"/>
               <a:pPr/>
-              <a:t>‹Nr.›</a:t>
+              <a:t>‹#›</a:t>
             </a:fld>
             <a:endParaRPr lang="en-US"/>
           </a:p>
@@ -4895,7 +4895,7 @@
             <a:fld id="{DFB297D7-21D1-0549-A74D-BD032133048A}" type="slidenum">
               <a:rPr lang="en-US" smtClean="0"/>
               <a:pPr/>
-              <a:t>‹Nr.›</a:t>
+              <a:t>‹#›</a:t>
             </a:fld>
             <a:endParaRPr lang="en-US" dirty="0"/>
           </a:p>
@@ -5241,7 +5241,7 @@
             <a:fld id="{2FCA2C60-3929-1D49-B29C-C60A97789EE3}" type="slidenum">
               <a:rPr lang="en-US" smtClean="0"/>
               <a:pPr/>
-              <a:t>‹Nr.›</a:t>
+              <a:t>‹#›</a:t>
             </a:fld>
             <a:endParaRPr lang="en-US" dirty="0"/>
           </a:p>
@@ -5409,7 +5409,7 @@
             <a:fld id="{68F3185B-C653-42AE-8B74-FF214C291574}" type="slidenum">
               <a:rPr lang="en-US" smtClean="0"/>
               <a:pPr/>
-              <a:t>‹Nr.›</a:t>
+              <a:t>‹#›</a:t>
             </a:fld>
             <a:endParaRPr lang="en-US"/>
           </a:p>
@@ -5841,7 +5841,7 @@
             <a:fld id="{977D763E-6462-E748-A364-8301CFB7D350}" type="slidenum">
               <a:rPr lang="en-US" smtClean="0"/>
               <a:pPr/>
-              <a:t>‹Nr.›</a:t>
+              <a:t>‹#›</a:t>
             </a:fld>
             <a:endParaRPr lang="en-US" dirty="0"/>
           </a:p>
@@ -12898,40 +12898,6 @@
           <a:chExt cx="0" cy="0"/>
         </a:xfrm>
       </p:grpSpPr>
-      <p:sp>
-        <p:nvSpPr>
-          <p:cNvPr id="5" name="Fußzeilenplatzhalter 4">
-            <a:extLst>
-              <a:ext uri="{FF2B5EF4-FFF2-40B4-BE49-F238E27FC236}">
-                <a16:creationId xmlns:a16="http://schemas.microsoft.com/office/drawing/2014/main" id="{36EB444D-3AD4-409A-A4DC-A1C21F520861}"/>
-              </a:ext>
-            </a:extLst>
-          </p:cNvPr>
-          <p:cNvSpPr>
-            <a:spLocks noGrp="1"/>
-          </p:cNvSpPr>
-          <p:nvPr>
-            <p:ph type="ftr" sz="quarter" idx="4294967295"/>
-          </p:nvPr>
-        </p:nvSpPr>
-        <p:spPr>
-          <a:xfrm>
-            <a:off x="6057900" y="6396038"/>
-            <a:ext cx="3086100" cy="365125"/>
-          </a:xfrm>
-        </p:spPr>
-        <p:txBody>
-          <a:bodyPr/>
-          <a:lstStyle/>
-          <a:p>
-            <a:r>
-              <a:rPr lang="de-AT" noProof="0"/>
-              <a:t>Platz für Autor und LVA-Nummer</a:t>
-            </a:r>
-            <a:endParaRPr lang="de-AT" noProof="0" dirty="0"/>
-          </a:p>
-        </p:txBody>
-      </p:sp>
       <p:sp>
         <p:nvSpPr>
           <p:cNvPr id="6" name="Foliennummernplatzhalter 5">
